--- a/CI_01_Architecture/00_Intro.pptx
+++ b/CI_01_Architecture/00_Intro.pptx
@@ -195,7 +195,7 @@
             <a:fld id="{31555DB1-8736-42A3-B48D-2B08FB93332A}" type="datetimeFigureOut">
               <a:rPr lang="fr-FR" smtClean="0"/>
               <a:pPr/>
-              <a:t>04/09/2013</a:t>
+              <a:t>03/09/2014</a:t>
             </a:fld>
             <a:endParaRPr lang="fr-FR"/>
           </a:p>
@@ -352,9 +352,9 @@
           </a:lstStyle>
           <a:p>
             <a:fld id="{0BDB199F-A56C-4049-BA04-1447030960FF}" type="datetimeFigureOut">
-              <a:rPr/>
+              <a:rPr lang="fr-FR"/>
               <a:pPr/>
-              <a:t>28/6/2006</a:t>
+              <a:t>03/09/2014</a:t>
             </a:fld>
             <a:endParaRPr lang="fr-FR"/>
           </a:p>
@@ -10638,14 +10638,12 @@
           <a:p>
             <a:r>
               <a:rPr lang="fr-FR" dirty="0" smtClean="0"/>
-              <a:t>Initiation aux bases de données</a:t>
-            </a:r>
-          </a:p>
-          <a:p>
-            <a:endParaRPr lang="fr-FR" dirty="0" smtClean="0"/>
-          </a:p>
-          <a:p>
-            <a:pPr lvl="1"/>
+              <a:t>Initiation aux bases de </a:t>
+            </a:r>
+            <a:r>
+              <a:rPr lang="fr-FR" dirty="0" smtClean="0"/>
+              <a:t>données</a:t>
+            </a:r>
             <a:endParaRPr lang="fr-FR" dirty="0" smtClean="0"/>
           </a:p>
           <a:p>
@@ -10723,7 +10721,7 @@
         </p:blipFill>
         <p:spPr bwMode="auto">
           <a:xfrm>
-            <a:off x="5136051" y="2685981"/>
+            <a:off x="6515298" y="2685981"/>
             <a:ext cx="1790400" cy="540000"/>
           </a:xfrm>
           <a:prstGeom prst="rect">
@@ -10757,15 +10755,6 @@
                 <a:tailEnd/>
               </a14:hiddenLine>
             </a:ext>
-            <a:ext uri="{AF507438-7753-43E0-B8FC-AC1667EBCBE1}">
-              <a14:hiddenEffects xmlns:a14="http://schemas.microsoft.com/office/drawing/2010/main">
-                <a:effectLst>
-                  <a:outerShdw dist="35921" dir="2700000" algn="ctr" rotWithShape="0">
-                    <a:schemeClr val="bg2"/>
-                  </a:outerShdw>
-                </a:effectLst>
-              </a14:hiddenEffects>
-            </a:ext>
           </a:extLst>
         </p:spPr>
       </p:pic>
@@ -10792,7 +10781,7 @@
         </p:blipFill>
         <p:spPr bwMode="auto">
           <a:xfrm>
-            <a:off x="7092280" y="2685981"/>
+            <a:off x="6855345" y="3861048"/>
             <a:ext cx="1110306" cy="540000"/>
           </a:xfrm>
           <a:prstGeom prst="rect">
@@ -10825,15 +10814,6 @@
                 <a:headEnd/>
                 <a:tailEnd/>
               </a14:hiddenLine>
-            </a:ext>
-            <a:ext uri="{AF507438-7753-43E0-B8FC-AC1667EBCBE1}">
-              <a14:hiddenEffects xmlns:a14="http://schemas.microsoft.com/office/drawing/2010/main">
-                <a:effectLst>
-                  <a:outerShdw dist="35921" dir="2700000" algn="ctr" rotWithShape="0">
-                    <a:schemeClr val="bg2"/>
-                  </a:outerShdw>
-                </a:effectLst>
-              </a14:hiddenEffects>
             </a:ext>
           </a:extLst>
         </p:spPr>
